--- a/SoftwareArchitecture/Jibiri_software_architecture_choice.pptx
+++ b/SoftwareArchitecture/Jibiri_software_architecture_choice.pptx
@@ -16,23 +16,24 @@
     <p:sldId id="261" r:id="rId11"/>
     <p:sldId id="262" r:id="rId12"/>
     <p:sldId id="263" r:id="rId13"/>
+    <p:sldId id="264" r:id="rId14"/>
   </p:sldIdLst>
   <p:sldSz cy="5143500" cx="9144000"/>
   <p:notesSz cx="6858000" cy="9144000"/>
   <p:embeddedFontLst>
     <p:embeddedFont>
       <p:font typeface="Raleway"/>
-      <p:regular r:id="rId14"/>
-      <p:bold r:id="rId15"/>
-      <p:italic r:id="rId16"/>
-      <p:boldItalic r:id="rId17"/>
+      <p:regular r:id="rId15"/>
+      <p:bold r:id="rId16"/>
+      <p:italic r:id="rId17"/>
+      <p:boldItalic r:id="rId18"/>
     </p:embeddedFont>
     <p:embeddedFont>
       <p:font typeface="Lato"/>
-      <p:regular r:id="rId18"/>
-      <p:bold r:id="rId19"/>
-      <p:italic r:id="rId20"/>
-      <p:boldItalic r:id="rId21"/>
+      <p:regular r:id="rId19"/>
+      <p:bold r:id="rId20"/>
+      <p:italic r:id="rId21"/>
+      <p:boldItalic r:id="rId22"/>
     </p:embeddedFont>
   </p:embeddedFontLst>
   <p:defaultTextStyle>
@@ -1005,7 +1006,7 @@
   <p:cSld>
     <p:spTree>
       <p:nvGrpSpPr>
-        <p:cNvPr id="101" name="Shape 101"/>
+        <p:cNvPr id="102" name="Shape 102"/>
         <p:cNvGrpSpPr/>
         <p:nvPr/>
       </p:nvGrpSpPr>
@@ -1019,7 +1020,7 @@
       </p:grpSpPr>
       <p:sp>
         <p:nvSpPr>
-          <p:cNvPr id="102" name="Shape 102"/>
+          <p:cNvPr id="103" name="Shape 103"/>
           <p:cNvSpPr/>
           <p:nvPr>
             <p:ph idx="2" type="sldImg"/>
@@ -1053,7 +1054,7 @@
       </p:sp>
       <p:sp>
         <p:nvSpPr>
-          <p:cNvPr id="103" name="Shape 103"/>
+          <p:cNvPr id="104" name="Shape 104"/>
           <p:cNvSpPr txBox="1"/>
           <p:nvPr>
             <p:ph idx="1" type="body"/>
@@ -1103,7 +1104,7 @@
   <p:cSld>
     <p:spTree>
       <p:nvGrpSpPr>
-        <p:cNvPr id="107" name="Shape 107"/>
+        <p:cNvPr id="108" name="Shape 108"/>
         <p:cNvGrpSpPr/>
         <p:nvPr/>
       </p:nvGrpSpPr>
@@ -1117,7 +1118,7 @@
       </p:grpSpPr>
       <p:sp>
         <p:nvSpPr>
-          <p:cNvPr id="108" name="Shape 108"/>
+          <p:cNvPr id="109" name="Shape 109"/>
           <p:cNvSpPr/>
           <p:nvPr>
             <p:ph idx="2" type="sldImg"/>
@@ -1151,7 +1152,7 @@
       </p:sp>
       <p:sp>
         <p:nvSpPr>
-          <p:cNvPr id="109" name="Shape 109"/>
+          <p:cNvPr id="110" name="Shape 110"/>
           <p:cNvSpPr txBox="1"/>
           <p:nvPr>
             <p:ph idx="1" type="body"/>
@@ -1201,7 +1202,7 @@
   <p:cSld>
     <p:spTree>
       <p:nvGrpSpPr>
-        <p:cNvPr id="114" name="Shape 114"/>
+        <p:cNvPr id="117" name="Shape 117"/>
         <p:cNvGrpSpPr/>
         <p:nvPr/>
       </p:nvGrpSpPr>
@@ -1215,7 +1216,7 @@
       </p:grpSpPr>
       <p:sp>
         <p:nvSpPr>
-          <p:cNvPr id="115" name="Shape 115"/>
+          <p:cNvPr id="118" name="Shape 118"/>
           <p:cNvSpPr/>
           <p:nvPr>
             <p:ph idx="2" type="sldImg"/>
@@ -1249,7 +1250,7 @@
       </p:sp>
       <p:sp>
         <p:nvSpPr>
-          <p:cNvPr id="116" name="Shape 116"/>
+          <p:cNvPr id="119" name="Shape 119"/>
           <p:cNvSpPr txBox="1"/>
           <p:nvPr>
             <p:ph idx="1" type="body"/>
@@ -1299,7 +1300,7 @@
   <p:cSld>
     <p:spTree>
       <p:nvGrpSpPr>
-        <p:cNvPr id="120" name="Shape 120"/>
+        <p:cNvPr id="123" name="Shape 123"/>
         <p:cNvGrpSpPr/>
         <p:nvPr/>
       </p:nvGrpSpPr>
@@ -1313,7 +1314,7 @@
       </p:grpSpPr>
       <p:sp>
         <p:nvSpPr>
-          <p:cNvPr id="121" name="Shape 121"/>
+          <p:cNvPr id="124" name="Shape 124"/>
           <p:cNvSpPr/>
           <p:nvPr>
             <p:ph idx="2" type="sldImg"/>
@@ -1347,7 +1348,7 @@
       </p:sp>
       <p:sp>
         <p:nvSpPr>
-          <p:cNvPr id="122" name="Shape 122"/>
+          <p:cNvPr id="125" name="Shape 125"/>
           <p:cNvSpPr txBox="1"/>
           <p:nvPr>
             <p:ph idx="1" type="body"/>
@@ -1397,7 +1398,7 @@
   <p:cSld>
     <p:spTree>
       <p:nvGrpSpPr>
-        <p:cNvPr id="126" name="Shape 126"/>
+        <p:cNvPr id="129" name="Shape 129"/>
         <p:cNvGrpSpPr/>
         <p:nvPr/>
       </p:nvGrpSpPr>
@@ -1411,7 +1412,7 @@
       </p:grpSpPr>
       <p:sp>
         <p:nvSpPr>
-          <p:cNvPr id="127" name="Shape 127"/>
+          <p:cNvPr id="130" name="Shape 130"/>
           <p:cNvSpPr/>
           <p:nvPr>
             <p:ph idx="2" type="sldImg"/>
@@ -1445,7 +1446,105 @@
       </p:sp>
       <p:sp>
         <p:nvSpPr>
-          <p:cNvPr id="128" name="Shape 128"/>
+          <p:cNvPr id="131" name="Shape 131"/>
+          <p:cNvSpPr txBox="1"/>
+          <p:nvPr>
+            <p:ph idx="1" type="body"/>
+          </p:nvPr>
+        </p:nvSpPr>
+        <p:spPr>
+          <a:xfrm>
+            <a:off x="685800" y="4343400"/>
+            <a:ext cx="5486400" cy="4114800"/>
+          </a:xfrm>
+          <a:prstGeom prst="rect">
+            <a:avLst/>
+          </a:prstGeom>
+        </p:spPr>
+        <p:txBody>
+          <a:bodyPr anchorCtr="0" anchor="t" bIns="91425" lIns="91425" spcFirstLastPara="1" rIns="91425" wrap="square" tIns="91425">
+            <a:noAutofit/>
+          </a:bodyPr>
+          <a:lstStyle/>
+          <a:p>
+            <a:pPr indent="0" lvl="0" marL="0">
+              <a:spcBef>
+                <a:spcPts val="0"/>
+              </a:spcBef>
+              <a:spcAft>
+                <a:spcPts val="0"/>
+              </a:spcAft>
+              <a:buNone/>
+            </a:pPr>
+            <a:r>
+              <a:t/>
+            </a:r>
+            <a:endParaRPr/>
+          </a:p>
+        </p:txBody>
+      </p:sp>
+    </p:spTree>
+  </p:cSld>
+  <p:clrMapOvr>
+    <a:masterClrMapping/>
+  </p:clrMapOvr>
+</p:notes>
+</file>
+
+<file path=ppt/notesSlides/notesSlide9.xml><?xml version="1.0" encoding="utf-8"?>
+<p:notes xmlns:a="http://schemas.openxmlformats.org/drawingml/2006/main" xmlns:r="http://schemas.openxmlformats.org/officeDocument/2006/relationships" xmlns:mc="http://schemas.openxmlformats.org/markup-compatibility/2006" xmlns:mv="urn:schemas-microsoft-com:mac:vml" xmlns:p="http://schemas.openxmlformats.org/presentationml/2006/main" xmlns:c="http://schemas.openxmlformats.org/drawingml/2006/chart" xmlns:dgm="http://schemas.openxmlformats.org/drawingml/2006/diagram" xmlns:o="urn:schemas-microsoft-com:office:office" xmlns:v="urn:schemas-microsoft-com:vml" xmlns:pvml="urn:schemas-microsoft-com:office:powerpoint" xmlns:com="http://schemas.openxmlformats.org/drawingml/2006/compatibility" xmlns:p14="http://schemas.microsoft.com/office/powerpoint/2010/main" xmlns:p15="http://schemas.microsoft.com/office/powerpoint/2012/main" showMasterPhAnim="0" showMasterSp="0">
+  <p:cSld>
+    <p:spTree>
+      <p:nvGrpSpPr>
+        <p:cNvPr id="135" name="Shape 135"/>
+        <p:cNvGrpSpPr/>
+        <p:nvPr/>
+      </p:nvGrpSpPr>
+      <p:grpSpPr>
+        <a:xfrm>
+          <a:off x="0" y="0"/>
+          <a:ext cx="0" cy="0"/>
+          <a:chOff x="0" y="0"/>
+          <a:chExt cx="0" cy="0"/>
+        </a:xfrm>
+      </p:grpSpPr>
+      <p:sp>
+        <p:nvSpPr>
+          <p:cNvPr id="136" name="Shape 136"/>
+          <p:cNvSpPr/>
+          <p:nvPr>
+            <p:ph idx="2" type="sldImg"/>
+          </p:nvPr>
+        </p:nvSpPr>
+        <p:spPr>
+          <a:xfrm>
+            <a:off x="381300" y="685800"/>
+            <a:ext cx="6096000" cy="3429000"/>
+          </a:xfrm>
+          <a:custGeom>
+            <a:pathLst>
+              <a:path extrusionOk="0" h="120000" w="120000">
+                <a:moveTo>
+                  <a:pt x="0" y="0"/>
+                </a:moveTo>
+                <a:lnTo>
+                  <a:pt x="120000" y="0"/>
+                </a:lnTo>
+                <a:lnTo>
+                  <a:pt x="120000" y="120000"/>
+                </a:lnTo>
+                <a:lnTo>
+                  <a:pt x="0" y="120000"/>
+                </a:lnTo>
+                <a:close/>
+              </a:path>
+            </a:pathLst>
+          </a:custGeom>
+        </p:spPr>
+      </p:sp>
+      <p:sp>
+        <p:nvSpPr>
+          <p:cNvPr id="137" name="Shape 137"/>
           <p:cNvSpPr txBox="1"/>
           <p:nvPr>
             <p:ph idx="1" type="body"/>
@@ -8185,7 +8284,7 @@
             </a:pPr>
             <a:r>
               <a:rPr lang="es" sz="2400"/>
-              <a:t>What is model-view-controller (MVC)?</a:t>
+              <a:t>Web service architecture</a:t>
             </a:r>
             <a:endParaRPr sz="2400"/>
           </a:p>
@@ -8219,45 +8318,13 @@
                 <a:spcPts val="0"/>
               </a:spcBef>
               <a:spcAft>
-                <a:spcPts val="0"/>
+                <a:spcPts val="1600"/>
               </a:spcAft>
               <a:buNone/>
             </a:pPr>
             <a:r>
               <a:rPr i="1" lang="es" sz="1400"/>
-              <a:t>It is an architectural pattern used for developing user interfaces that divides an application into three parts, to separate the internal representation of the information from the representation that the user will see. </a:t>
-            </a:r>
-            <a:endParaRPr i="1" sz="1400"/>
-          </a:p>
-          <a:p>
-            <a:pPr indent="0" lvl="0" marL="0">
-              <a:spcBef>
-                <a:spcPts val="1600"/>
-              </a:spcBef>
-              <a:spcAft>
-                <a:spcPts val="0"/>
-              </a:spcAft>
-              <a:buNone/>
-            </a:pPr>
-            <a:r>
-              <a:rPr i="1" lang="es" sz="1400"/>
-              <a:t>By decoupling these major components, MVC design pattern allows you for efficient code reuse and parallel development.</a:t>
-            </a:r>
-            <a:endParaRPr i="1" sz="1400"/>
-          </a:p>
-          <a:p>
-            <a:pPr indent="0" lvl="0" marL="0">
-              <a:spcBef>
-                <a:spcPts val="1600"/>
-              </a:spcBef>
-              <a:spcAft>
-                <a:spcPts val="1600"/>
-              </a:spcAft>
-              <a:buNone/>
-            </a:pPr>
-            <a:r>
-              <a:rPr i="1" lang="es" sz="1400"/>
-              <a:t>Here is a visual representation.</a:t>
+              <a:t>A Web service is a software system designed to support interoperable machine-to-machine interaction over a network. It has an interface described in a machine-processable format (specifically WSDL). Other systems interact with the Web service in a manner prescribed by its description using SOAP messages, typically conveyed using HTTP with an XML serialization in conjunction with other Web-related standards.</a:t>
             </a:r>
             <a:endParaRPr i="1" sz="1400"/>
           </a:p>
@@ -8366,43 +8433,15 @@
           </a:p>
         </p:txBody>
       </p:sp>
-      <p:pic>
-        <p:nvPicPr>
-          <p:cNvPr id="99" name="Shape 99"/>
-          <p:cNvPicPr preferRelativeResize="0"/>
-          <p:nvPr/>
-        </p:nvPicPr>
-        <p:blipFill>
-          <a:blip r:embed="rId3">
-            <a:alphaModFix/>
-          </a:blip>
-          <a:stretch>
-            <a:fillRect/>
-          </a:stretch>
-        </p:blipFill>
-        <p:spPr>
-          <a:xfrm>
-            <a:off x="0" y="0"/>
-            <a:ext cx="9143998" cy="5143500"/>
-          </a:xfrm>
-          <a:prstGeom prst="rect">
-            <a:avLst/>
-          </a:prstGeom>
-          <a:noFill/>
-          <a:ln>
-            <a:noFill/>
-          </a:ln>
-        </p:spPr>
-      </p:pic>
       <p:sp>
         <p:nvSpPr>
-          <p:cNvPr id="100" name="Shape 100"/>
+          <p:cNvPr id="99" name="Shape 99"/>
           <p:cNvSpPr txBox="1"/>
           <p:nvPr/>
         </p:nvSpPr>
         <p:spPr>
           <a:xfrm>
-            <a:off x="0" y="0"/>
+            <a:off x="2657225" y="2078875"/>
             <a:ext cx="5290500" cy="617100"/>
           </a:xfrm>
           <a:prstGeom prst="rect">
@@ -8435,7 +8474,7 @@
                 <a:cs typeface="Raleway"/>
                 <a:sym typeface="Raleway"/>
               </a:rPr>
-              <a:t>Visual Representation</a:t>
+              <a:t>CAMBIA ESTA PUTA MIERDA DARÍO MY FRIEN</a:t>
             </a:r>
             <a:endParaRPr b="1">
               <a:latin typeface="Raleway"/>
@@ -8443,6 +8482,121 @@
               <a:cs typeface="Raleway"/>
               <a:sym typeface="Raleway"/>
             </a:endParaRPr>
+          </a:p>
+          <a:p>
+            <a:pPr indent="0" lvl="0" marL="0">
+              <a:spcBef>
+                <a:spcPts val="0"/>
+              </a:spcBef>
+              <a:spcAft>
+                <a:spcPts val="0"/>
+              </a:spcAft>
+              <a:buNone/>
+            </a:pPr>
+            <a:r>
+              <a:rPr b="1" lang="es">
+                <a:latin typeface="Raleway"/>
+                <a:ea typeface="Raleway"/>
+                <a:cs typeface="Raleway"/>
+                <a:sym typeface="Raleway"/>
+              </a:rPr>
+              <a:t>//soez</a:t>
+            </a:r>
+            <a:endParaRPr b="1">
+              <a:latin typeface="Raleway"/>
+              <a:ea typeface="Raleway"/>
+              <a:cs typeface="Raleway"/>
+              <a:sym typeface="Raleway"/>
+            </a:endParaRPr>
+          </a:p>
+          <a:p>
+            <a:pPr indent="0" lvl="0" marL="0">
+              <a:spcBef>
+                <a:spcPts val="0"/>
+              </a:spcBef>
+              <a:spcAft>
+                <a:spcPts val="0"/>
+              </a:spcAft>
+              <a:buNone/>
+            </a:pPr>
+            <a:r>
+              <a:t/>
+            </a:r>
+            <a:endParaRPr b="1">
+              <a:latin typeface="Raleway"/>
+              <a:ea typeface="Raleway"/>
+              <a:cs typeface="Raleway"/>
+              <a:sym typeface="Raleway"/>
+            </a:endParaRPr>
+          </a:p>
+        </p:txBody>
+      </p:sp>
+      <p:pic>
+        <p:nvPicPr>
+          <p:cNvPr id="100" name="Shape 100"/>
+          <p:cNvPicPr preferRelativeResize="0"/>
+          <p:nvPr/>
+        </p:nvPicPr>
+        <p:blipFill>
+          <a:blip r:embed="rId3">
+            <a:alphaModFix/>
+          </a:blip>
+          <a:stretch>
+            <a:fillRect/>
+          </a:stretch>
+        </p:blipFill>
+        <p:spPr>
+          <a:xfrm>
+            <a:off x="0" y="0"/>
+            <a:ext cx="9143999" cy="5143501"/>
+          </a:xfrm>
+          <a:prstGeom prst="rect">
+            <a:avLst/>
+          </a:prstGeom>
+          <a:noFill/>
+          <a:ln>
+            <a:noFill/>
+          </a:ln>
+        </p:spPr>
+      </p:pic>
+      <p:sp>
+        <p:nvSpPr>
+          <p:cNvPr id="101" name="Shape 101"/>
+          <p:cNvSpPr txBox="1"/>
+          <p:nvPr/>
+        </p:nvSpPr>
+        <p:spPr>
+          <a:xfrm>
+            <a:off x="1000125" y="2389900"/>
+            <a:ext cx="7335900" cy="855900"/>
+          </a:xfrm>
+          <a:prstGeom prst="rect">
+            <a:avLst/>
+          </a:prstGeom>
+          <a:noFill/>
+          <a:ln>
+            <a:noFill/>
+          </a:ln>
+        </p:spPr>
+        <p:txBody>
+          <a:bodyPr anchorCtr="0" anchor="t" bIns="91425" lIns="91425" spcFirstLastPara="1" rIns="91425" wrap="square" tIns="91425">
+            <a:noAutofit/>
+          </a:bodyPr>
+          <a:lstStyle/>
+          <a:p>
+            <a:pPr indent="0" lvl="0" marL="0">
+              <a:spcBef>
+                <a:spcPts val="0"/>
+              </a:spcBef>
+              <a:spcAft>
+                <a:spcPts val="0"/>
+              </a:spcAft>
+              <a:buNone/>
+            </a:pPr>
+            <a:r>
+              <a:t/>
+            </a:r>
+            <a:endParaRPr/>
           </a:p>
         </p:txBody>
       </p:sp>
@@ -8459,7 +8613,7 @@
   <p:cSld>
     <p:spTree>
       <p:nvGrpSpPr>
-        <p:cNvPr id="104" name="Shape 104"/>
+        <p:cNvPr id="105" name="Shape 105"/>
         <p:cNvGrpSpPr/>
         <p:nvPr/>
       </p:nvGrpSpPr>
@@ -8473,7 +8627,7 @@
       </p:grpSpPr>
       <p:sp>
         <p:nvSpPr>
-          <p:cNvPr id="105" name="Shape 105"/>
+          <p:cNvPr id="106" name="Shape 106"/>
           <p:cNvSpPr txBox="1"/>
           <p:nvPr>
             <p:ph type="title"/>
@@ -8509,7 +8663,7 @@
             </a:r>
             <a:r>
               <a:rPr lang="es" sz="2400"/>
-              <a:t>connectors</a:t>
+              <a:t>connectors </a:t>
             </a:r>
             <a:endParaRPr sz="2400"/>
           </a:p>
@@ -8517,7 +8671,7 @@
       </p:sp>
       <p:sp>
         <p:nvSpPr>
-          <p:cNvPr id="106" name="Shape 106"/>
+          <p:cNvPr id="107" name="Shape 107"/>
           <p:cNvSpPr txBox="1"/>
           <p:nvPr>
             <p:ph idx="1" type="body"/>
@@ -8526,7 +8680,7 @@
         <p:spPr>
           <a:xfrm>
             <a:off x="729450" y="2143150"/>
-            <a:ext cx="7688700" cy="2261100"/>
+            <a:ext cx="7688700" cy="2819700"/>
           </a:xfrm>
           <a:prstGeom prst="rect">
             <a:avLst/>
@@ -8549,7 +8703,7 @@
             </a:pPr>
             <a:r>
               <a:rPr lang="es" sz="1400"/>
-              <a:t>The components of the MVC </a:t>
+              <a:t>The components our chosen </a:t>
             </a:r>
             <a:r>
               <a:rPr lang="es" sz="1400"/>
@@ -8573,20 +8727,16 @@
               <a:buChar char="-"/>
             </a:pPr>
             <a:r>
-              <a:rPr lang="es" sz="1400"/>
-              <a:t>The </a:t>
-            </a:r>
-            <a:r>
               <a:rPr b="1" lang="es" sz="1400"/>
-              <a:t>model</a:t>
+              <a:t>Service provider:</a:t>
             </a:r>
             <a:r>
               <a:rPr lang="es" sz="1400"/>
-              <a:t>: is the </a:t>
+              <a:t> </a:t>
             </a:r>
             <a:r>
               <a:rPr lang="es" sz="1400"/>
-              <a:t>central part of the project, which manages all data and logic of our project. </a:t>
+              <a:t>creates the web service and makes it available to the client application that want to use it.</a:t>
             </a:r>
             <a:endParaRPr sz="1400"/>
           </a:p>
@@ -8602,20 +8752,45 @@
               <a:buChar char="-"/>
             </a:pPr>
             <a:r>
-              <a:rPr lang="es" sz="1400"/>
-              <a:t>The </a:t>
-            </a:r>
-            <a:r>
               <a:rPr b="1" lang="es" sz="1400"/>
-              <a:t>view</a:t>
+              <a:t>Service requester: </a:t>
             </a:r>
             <a:r>
               <a:rPr lang="es" sz="1400"/>
-              <a:t>:</a:t>
+              <a:t>a</a:t>
             </a:r>
             <a:r>
               <a:rPr lang="es" sz="1400"/>
-              <a:t> presents a subset of the data to the user, different views can be set for different kind of users.</a:t>
+              <a:t>sk the provider for the registry and contacts the registry for some data.</a:t>
+            </a:r>
+            <a:endParaRPr sz="1400"/>
+          </a:p>
+          <a:p>
+            <a:pPr indent="-317500" lvl="0" marL="457200" rtl="0">
+              <a:spcBef>
+                <a:spcPts val="0"/>
+              </a:spcBef>
+              <a:spcAft>
+                <a:spcPts val="0"/>
+              </a:spcAft>
+              <a:buSzPts val="1400"/>
+              <a:buChar char="-"/>
+            </a:pPr>
+            <a:r>
+              <a:rPr b="1" lang="es" sz="1400"/>
+              <a:t>Service Registry:</a:t>
+            </a:r>
+            <a:r>
+              <a:rPr lang="es" sz="1400"/>
+              <a:t> validates the petition and sends a </a:t>
+            </a:r>
+            <a:r>
+              <a:rPr lang="es" sz="1400"/>
+              <a:t>response</a:t>
+            </a:r>
+            <a:r>
+              <a:rPr lang="es" sz="1400"/>
+              <a:t> with data on a XML format.</a:t>
             </a:r>
             <a:endParaRPr sz="1400"/>
           </a:p>
@@ -8635,11 +8810,19 @@
             </a:r>
             <a:r>
               <a:rPr b="1" lang="es" sz="1400"/>
-              <a:t>controller </a:t>
+              <a:t>WSDL </a:t>
             </a:r>
             <a:r>
               <a:rPr lang="es" sz="1400"/>
-              <a:t>which accepts inputs and converts it to changes in the model or the view.</a:t>
+              <a:t>(Web Service Description Language) and the </a:t>
+            </a:r>
+            <a:r>
+              <a:rPr b="1" lang="es" sz="1400"/>
+              <a:t>SOAP </a:t>
+            </a:r>
+            <a:r>
+              <a:rPr lang="es" sz="1400"/>
+              <a:t>(Simple Object Access Protocol) protocols.</a:t>
             </a:r>
             <a:endParaRPr sz="1400"/>
           </a:p>
@@ -8658,7 +8841,7 @@
   <p:cSld>
     <p:spTree>
       <p:nvGrpSpPr>
-        <p:cNvPr id="110" name="Shape 110"/>
+        <p:cNvPr id="111" name="Shape 111"/>
         <p:cNvGrpSpPr/>
         <p:nvPr/>
       </p:nvGrpSpPr>
@@ -8672,16 +8855,16 @@
       </p:grpSpPr>
       <p:sp>
         <p:nvSpPr>
-          <p:cNvPr id="111" name="Shape 111"/>
+          <p:cNvPr id="112" name="Shape 112"/>
           <p:cNvSpPr txBox="1"/>
           <p:nvPr>
-            <p:ph type="title"/>
+            <p:ph idx="1" type="body"/>
           </p:nvPr>
         </p:nvSpPr>
         <p:spPr>
           <a:xfrm>
-            <a:off x="729450" y="1318650"/>
-            <a:ext cx="7688700" cy="535200"/>
+            <a:off x="-399500" y="1263975"/>
+            <a:ext cx="3470700" cy="1593600"/>
           </a:xfrm>
           <a:prstGeom prst="rect">
             <a:avLst/>
@@ -8693,71 +8876,6 @@
           </a:bodyPr>
           <a:lstStyle/>
           <a:p>
-            <a:pPr indent="0" lvl="0" marL="0">
-              <a:spcBef>
-                <a:spcPts val="0"/>
-              </a:spcBef>
-              <a:spcAft>
-                <a:spcPts val="0"/>
-              </a:spcAft>
-              <a:buNone/>
-            </a:pPr>
-            <a:r>
-              <a:rPr lang="es" sz="2400"/>
-              <a:t>Examples of use of MVC</a:t>
-            </a:r>
-            <a:endParaRPr sz="2400"/>
-          </a:p>
-        </p:txBody>
-      </p:sp>
-      <p:sp>
-        <p:nvSpPr>
-          <p:cNvPr id="112" name="Shape 112"/>
-          <p:cNvSpPr txBox="1"/>
-          <p:nvPr>
-            <p:ph idx="1" type="body"/>
-          </p:nvPr>
-        </p:nvSpPr>
-        <p:spPr>
-          <a:xfrm>
-            <a:off x="729450" y="2078875"/>
-            <a:ext cx="7688700" cy="2261100"/>
-          </a:xfrm>
-          <a:prstGeom prst="rect">
-            <a:avLst/>
-          </a:prstGeom>
-        </p:spPr>
-        <p:txBody>
-          <a:bodyPr anchorCtr="0" anchor="t" bIns="91425" lIns="91425" spcFirstLastPara="1" rIns="91425" wrap="square" tIns="91425">
-            <a:noAutofit/>
-          </a:bodyPr>
-          <a:lstStyle/>
-          <a:p>
-            <a:pPr indent="-317500" lvl="0" marL="457200" rtl="0">
-              <a:spcBef>
-                <a:spcPts val="0"/>
-              </a:spcBef>
-              <a:spcAft>
-                <a:spcPts val="0"/>
-              </a:spcAft>
-              <a:buClr>
-                <a:schemeClr val="accent1"/>
-              </a:buClr>
-              <a:buSzPts val="1400"/>
-              <a:buFont typeface="Arial"/>
-              <a:buChar char="●"/>
-            </a:pPr>
-            <a:r>
-              <a:rPr b="1" i="1" lang="es" sz="1400"/>
-              <a:t>Controller</a:t>
-            </a:r>
-            <a:r>
-              <a:rPr i="1" lang="es" sz="1400"/>
-              <a:t>. For a web framework, this means handling requests and responses, setting up database connections and loading add-ons.</a:t>
-            </a:r>
-            <a:endParaRPr i="1" sz="1400"/>
-          </a:p>
-          <a:p>
             <a:pPr indent="0" lvl="0" marL="0" rtl="0">
               <a:spcBef>
                 <a:spcPts val="0"/>
@@ -8769,71 +8887,6 @@
             </a:pPr>
             <a:r>
               <a:t/>
-            </a:r>
-            <a:endParaRPr i="1" sz="1400"/>
-          </a:p>
-          <a:p>
-            <a:pPr indent="-317500" lvl="0" marL="457200" rtl="0">
-              <a:spcBef>
-                <a:spcPts val="0"/>
-              </a:spcBef>
-              <a:spcAft>
-                <a:spcPts val="0"/>
-              </a:spcAft>
-              <a:buClr>
-                <a:schemeClr val="accent1"/>
-              </a:buClr>
-              <a:buSzPts val="1400"/>
-              <a:buFont typeface="Arial"/>
-              <a:buChar char="●"/>
-            </a:pPr>
-            <a:r>
-              <a:rPr b="1" i="1" lang="es" sz="1400"/>
-              <a:t>Model</a:t>
-            </a:r>
-            <a:r>
-              <a:rPr i="1" lang="es" sz="1400"/>
-              <a:t>. The model layer in Django is the database plus the Python code that directly uses it. You capture whatever your website needs in database tables.</a:t>
-            </a:r>
-            <a:endParaRPr i="1" sz="1400"/>
-          </a:p>
-          <a:p>
-            <a:pPr indent="0" lvl="0" marL="0" rtl="0">
-              <a:spcBef>
-                <a:spcPts val="0"/>
-              </a:spcBef>
-              <a:spcAft>
-                <a:spcPts val="0"/>
-              </a:spcAft>
-              <a:buNone/>
-            </a:pPr>
-            <a:r>
-              <a:t/>
-            </a:r>
-            <a:endParaRPr i="1" sz="1400"/>
-          </a:p>
-          <a:p>
-            <a:pPr indent="-317500" lvl="0" marL="457200" rtl="0">
-              <a:spcBef>
-                <a:spcPts val="0"/>
-              </a:spcBef>
-              <a:spcAft>
-                <a:spcPts val="0"/>
-              </a:spcAft>
-              <a:buClr>
-                <a:schemeClr val="accent1"/>
-              </a:buClr>
-              <a:buSzPts val="1400"/>
-              <a:buFont typeface="Arial"/>
-              <a:buChar char="●"/>
-            </a:pPr>
-            <a:r>
-              <a:rPr b="1" i="1" lang="es" sz="1400"/>
-              <a:t>View</a:t>
-            </a:r>
-            <a:r>
-              <a:rPr i="1" lang="es" sz="1400"/>
-              <a:t>. The view layer is the user interface. Django splits this up in the actual HTML pages and the Python code (called views) that renders them.</a:t>
             </a:r>
             <a:endParaRPr i="1" sz="1400"/>
           </a:p>
@@ -8889,13 +8942,7 @@
               <a:buNone/>
             </a:pPr>
             <a:r>
-              <a:rPr b="1" lang="es" sz="3000">
-                <a:latin typeface="Raleway"/>
-                <a:ea typeface="Raleway"/>
-                <a:cs typeface="Raleway"/>
-                <a:sym typeface="Raleway"/>
-              </a:rPr>
-              <a:t>Django</a:t>
+              <a:t/>
             </a:r>
             <a:endParaRPr b="1" sz="3000">
               <a:latin typeface="Raleway"/>
@@ -8903,6 +8950,165 @@
               <a:cs typeface="Raleway"/>
               <a:sym typeface="Raleway"/>
             </a:endParaRPr>
+          </a:p>
+        </p:txBody>
+      </p:sp>
+      <p:pic>
+        <p:nvPicPr>
+          <p:cNvPr id="114" name="Shape 114"/>
+          <p:cNvPicPr preferRelativeResize="0"/>
+          <p:nvPr/>
+        </p:nvPicPr>
+        <p:blipFill>
+          <a:blip r:embed="rId3">
+            <a:alphaModFix/>
+          </a:blip>
+          <a:stretch>
+            <a:fillRect/>
+          </a:stretch>
+        </p:blipFill>
+        <p:spPr>
+          <a:xfrm>
+            <a:off x="0" y="0"/>
+            <a:ext cx="9144000" cy="5143500"/>
+          </a:xfrm>
+          <a:prstGeom prst="rect">
+            <a:avLst/>
+          </a:prstGeom>
+          <a:noFill/>
+          <a:ln>
+            <a:noFill/>
+          </a:ln>
+        </p:spPr>
+      </p:pic>
+      <p:sp>
+        <p:nvSpPr>
+          <p:cNvPr id="115" name="Shape 115"/>
+          <p:cNvSpPr txBox="1"/>
+          <p:nvPr/>
+        </p:nvSpPr>
+        <p:spPr>
+          <a:xfrm>
+            <a:off x="-49950" y="3648175"/>
+            <a:ext cx="3000000" cy="944700"/>
+          </a:xfrm>
+          <a:prstGeom prst="rect">
+            <a:avLst/>
+          </a:prstGeom>
+          <a:noFill/>
+          <a:ln>
+            <a:noFill/>
+          </a:ln>
+        </p:spPr>
+        <p:txBody>
+          <a:bodyPr anchorCtr="0" anchor="ctr" bIns="91425" lIns="91425" spcFirstLastPara="1" rIns="91425" wrap="square" tIns="91425">
+            <a:noAutofit/>
+          </a:bodyPr>
+          <a:lstStyle/>
+          <a:p>
+            <a:pPr indent="0" lvl="0" marL="0" rtl="0">
+              <a:spcBef>
+                <a:spcPts val="0"/>
+              </a:spcBef>
+              <a:spcAft>
+                <a:spcPts val="0"/>
+              </a:spcAft>
+              <a:buNone/>
+            </a:pPr>
+            <a:r>
+              <a:rPr b="1" lang="es" sz="2700">
+                <a:solidFill>
+                  <a:schemeClr val="dk2"/>
+                </a:solidFill>
+                <a:latin typeface="Raleway"/>
+                <a:ea typeface="Raleway"/>
+                <a:cs typeface="Raleway"/>
+                <a:sym typeface="Raleway"/>
+              </a:rPr>
+              <a:t>MTC EXAMPLE:</a:t>
+            </a:r>
+            <a:endParaRPr b="1" sz="2700">
+              <a:solidFill>
+                <a:schemeClr val="dk2"/>
+              </a:solidFill>
+              <a:latin typeface="Raleway"/>
+              <a:ea typeface="Raleway"/>
+              <a:cs typeface="Raleway"/>
+              <a:sym typeface="Raleway"/>
+            </a:endParaRPr>
+          </a:p>
+          <a:p>
+            <a:pPr indent="0" lvl="0" marL="0" rtl="0">
+              <a:spcBef>
+                <a:spcPts val="0"/>
+              </a:spcBef>
+              <a:spcAft>
+                <a:spcPts val="0"/>
+              </a:spcAft>
+              <a:buNone/>
+            </a:pPr>
+            <a:r>
+              <a:rPr b="1" lang="es" sz="4000">
+                <a:solidFill>
+                  <a:schemeClr val="dk2"/>
+                </a:solidFill>
+                <a:latin typeface="Raleway"/>
+                <a:ea typeface="Raleway"/>
+                <a:cs typeface="Raleway"/>
+                <a:sym typeface="Raleway"/>
+              </a:rPr>
+              <a:t>DJANGO</a:t>
+            </a:r>
+            <a:endParaRPr b="1" sz="4000">
+              <a:solidFill>
+                <a:schemeClr val="dk2"/>
+              </a:solidFill>
+              <a:latin typeface="Raleway"/>
+              <a:ea typeface="Raleway"/>
+              <a:cs typeface="Raleway"/>
+              <a:sym typeface="Raleway"/>
+            </a:endParaRPr>
+          </a:p>
+        </p:txBody>
+      </p:sp>
+      <p:sp>
+        <p:nvSpPr>
+          <p:cNvPr id="116" name="Shape 116"/>
+          <p:cNvSpPr txBox="1"/>
+          <p:nvPr/>
+        </p:nvSpPr>
+        <p:spPr>
+          <a:xfrm>
+            <a:off x="1935050" y="174775"/>
+            <a:ext cx="224700" cy="486900"/>
+          </a:xfrm>
+          <a:prstGeom prst="rect">
+            <a:avLst/>
+          </a:prstGeom>
+          <a:noFill/>
+          <a:ln>
+            <a:noFill/>
+          </a:ln>
+        </p:spPr>
+        <p:txBody>
+          <a:bodyPr anchorCtr="0" anchor="t" bIns="91425" lIns="91425" spcFirstLastPara="1" rIns="91425" wrap="square" tIns="91425">
+            <a:noAutofit/>
+          </a:bodyPr>
+          <a:lstStyle/>
+          <a:p>
+            <a:pPr indent="0" lvl="0" marL="0">
+              <a:spcBef>
+                <a:spcPts val="0"/>
+              </a:spcBef>
+              <a:spcAft>
+                <a:spcPts val="0"/>
+              </a:spcAft>
+              <a:buNone/>
+            </a:pPr>
+            <a:r>
+              <a:t/>
+            </a:r>
+            <a:endParaRPr/>
           </a:p>
         </p:txBody>
       </p:sp>
@@ -8919,7 +9125,7 @@
   <p:cSld>
     <p:spTree>
       <p:nvGrpSpPr>
-        <p:cNvPr id="117" name="Shape 117"/>
+        <p:cNvPr id="120" name="Shape 120"/>
         <p:cNvGrpSpPr/>
         <p:nvPr/>
       </p:nvGrpSpPr>
@@ -8933,7 +9139,7 @@
       </p:grpSpPr>
       <p:sp>
         <p:nvSpPr>
-          <p:cNvPr id="118" name="Shape 118"/>
+          <p:cNvPr id="121" name="Shape 121"/>
           <p:cNvSpPr txBox="1"/>
           <p:nvPr>
             <p:ph type="title"/>
@@ -8973,7 +9179,7 @@
       </p:sp>
       <p:sp>
         <p:nvSpPr>
-          <p:cNvPr id="119" name="Shape 119"/>
+          <p:cNvPr id="122" name="Shape 122"/>
           <p:cNvSpPr txBox="1"/>
           <p:nvPr>
             <p:ph idx="1" type="body"/>
@@ -8994,20 +9200,76 @@
           </a:bodyPr>
           <a:lstStyle/>
           <a:p>
-            <a:pPr indent="-311150" lvl="0" marL="457200" rtl="0">
+            <a:pPr indent="0" lvl="0" marL="0" rtl="0">
               <a:spcBef>
                 <a:spcPts val="300"/>
               </a:spcBef>
               <a:spcAft>
                 <a:spcPts val="0"/>
               </a:spcAft>
+              <a:buNone/>
+            </a:pPr>
+            <a:r>
+              <a:t/>
+            </a:r>
+            <a:endParaRPr sz="1050">
+              <a:solidFill>
+                <a:srgbClr val="222222"/>
+              </a:solidFill>
+              <a:latin typeface="Arial"/>
+              <a:ea typeface="Arial"/>
+              <a:cs typeface="Arial"/>
+              <a:sym typeface="Arial"/>
+            </a:endParaRPr>
+          </a:p>
+          <a:p>
+            <a:pPr indent="-311150" lvl="0" marL="457200" rtl="0" algn="just">
+              <a:spcBef>
+                <a:spcPts val="300"/>
+              </a:spcBef>
+              <a:spcAft>
+                <a:spcPts val="0"/>
+              </a:spcAft>
               <a:buSzPts val="1300"/>
-              <a:buFont typeface="Arial"/>
               <a:buChar char="-"/>
             </a:pPr>
             <a:r>
               <a:rPr i="1" lang="es"/>
-              <a:t>Simultaneous development</a:t>
+              <a:t>They provide interoperability between different applications, independently of its properties and the platforms they are installed in.</a:t>
+            </a:r>
+            <a:endParaRPr i="1"/>
+          </a:p>
+          <a:p>
+            <a:pPr indent="-311150" lvl="0" marL="457200" rtl="0" algn="just">
+              <a:spcBef>
+                <a:spcPts val="0"/>
+              </a:spcBef>
+              <a:spcAft>
+                <a:spcPts val="0"/>
+              </a:spcAft>
+              <a:buSzPts val="1300"/>
+              <a:buChar char="-"/>
+            </a:pPr>
+            <a:r>
+              <a:rPr i="1" lang="es"/>
+              <a:t>Web services encourage the use of standards and protocols based on text, what makes it easier to access its content and get to know how it works.</a:t>
+            </a:r>
+            <a:endParaRPr i="1"/>
+          </a:p>
+          <a:p>
+            <a:pPr indent="-311150" lvl="0" marL="457200" rtl="0" algn="just">
+              <a:spcBef>
+                <a:spcPts val="0"/>
+              </a:spcBef>
+              <a:spcAft>
+                <a:spcPts val="0"/>
+              </a:spcAft>
+              <a:buSzPts val="1300"/>
+              <a:buChar char="-"/>
+            </a:pPr>
+            <a:r>
+              <a:rPr i="1" lang="es"/>
+              <a:t>They allow services and software from different companies, located in different points of the globe, to be easily combined in order to provide integrated services.</a:t>
             </a:r>
             <a:endParaRPr i="1"/>
           </a:p>
@@ -9017,7 +9279,7 @@
                 <a:spcPts val="300"/>
               </a:spcBef>
               <a:spcAft>
-                <a:spcPts val="0"/>
+                <a:spcPts val="100"/>
               </a:spcAft>
               <a:buNone/>
             </a:pPr>
@@ -9025,124 +9287,6 @@
               <a:t/>
             </a:r>
             <a:endParaRPr i="1"/>
-          </a:p>
-          <a:p>
-            <a:pPr indent="-311150" lvl="0" marL="457200" rtl="0">
-              <a:spcBef>
-                <a:spcPts val="300"/>
-              </a:spcBef>
-              <a:spcAft>
-                <a:spcPts val="0"/>
-              </a:spcAft>
-              <a:buSzPts val="1300"/>
-              <a:buChar char="-"/>
-            </a:pPr>
-            <a:r>
-              <a:rPr i="1" lang="es"/>
-              <a:t>High cohesion (logical grouping of actions and views)</a:t>
-            </a:r>
-            <a:endParaRPr i="1"/>
-          </a:p>
-          <a:p>
-            <a:pPr indent="0" lvl="0" marL="0" rtl="0">
-              <a:spcBef>
-                <a:spcPts val="300"/>
-              </a:spcBef>
-              <a:spcAft>
-                <a:spcPts val="0"/>
-              </a:spcAft>
-              <a:buNone/>
-            </a:pPr>
-            <a:r>
-              <a:t/>
-            </a:r>
-            <a:endParaRPr i="1"/>
-          </a:p>
-          <a:p>
-            <a:pPr indent="-311150" lvl="0" marL="457200" rtl="0">
-              <a:spcBef>
-                <a:spcPts val="300"/>
-              </a:spcBef>
-              <a:spcAft>
-                <a:spcPts val="0"/>
-              </a:spcAft>
-              <a:buSzPts val="1300"/>
-              <a:buChar char="-"/>
-            </a:pPr>
-            <a:r>
-              <a:rPr i="1" lang="es"/>
-              <a:t>Low coupling among models, views or controllers</a:t>
-            </a:r>
-            <a:endParaRPr i="1"/>
-          </a:p>
-          <a:p>
-            <a:pPr indent="0" lvl="0" marL="0" rtl="0">
-              <a:spcBef>
-                <a:spcPts val="300"/>
-              </a:spcBef>
-              <a:spcAft>
-                <a:spcPts val="0"/>
-              </a:spcAft>
-              <a:buNone/>
-            </a:pPr>
-            <a:r>
-              <a:t/>
-            </a:r>
-            <a:endParaRPr i="1"/>
-          </a:p>
-          <a:p>
-            <a:pPr indent="-311150" lvl="0" marL="457200" rtl="0">
-              <a:spcBef>
-                <a:spcPts val="300"/>
-              </a:spcBef>
-              <a:spcAft>
-                <a:spcPts val="0"/>
-              </a:spcAft>
-              <a:buSzPts val="1300"/>
-              <a:buChar char="-"/>
-            </a:pPr>
-            <a:r>
-              <a:rPr i="1" lang="es"/>
-              <a:t>Ease of modification (due to the separation of responsibilities)</a:t>
-            </a:r>
-            <a:endParaRPr i="1"/>
-          </a:p>
-          <a:p>
-            <a:pPr indent="0" lvl="0" marL="0" rtl="0">
-              <a:spcBef>
-                <a:spcPts val="300"/>
-              </a:spcBef>
-              <a:spcAft>
-                <a:spcPts val="0"/>
-              </a:spcAft>
-              <a:buNone/>
-            </a:pPr>
-            <a:r>
-              <a:t/>
-            </a:r>
-            <a:endParaRPr i="1"/>
-          </a:p>
-          <a:p>
-            <a:pPr indent="-311150" lvl="0" marL="457200" rtl="0">
-              <a:spcBef>
-                <a:spcPts val="300"/>
-              </a:spcBef>
-              <a:spcAft>
-                <a:spcPts val="0"/>
-              </a:spcAft>
-              <a:buSzPts val="1300"/>
-              <a:buChar char="-"/>
-            </a:pPr>
-            <a:r>
-              <a:rPr i="1" lang="es"/>
-              <a:t>Multiple views for a model</a:t>
-            </a:r>
-            <a:endParaRPr>
-              <a:latin typeface="Arial"/>
-              <a:ea typeface="Arial"/>
-              <a:cs typeface="Arial"/>
-              <a:sym typeface="Arial"/>
-            </a:endParaRPr>
           </a:p>
         </p:txBody>
       </p:sp>
@@ -9159,7 +9303,7 @@
   <p:cSld>
     <p:spTree>
       <p:nvGrpSpPr>
-        <p:cNvPr id="123" name="Shape 123"/>
+        <p:cNvPr id="126" name="Shape 126"/>
         <p:cNvGrpSpPr/>
         <p:nvPr/>
       </p:nvGrpSpPr>
@@ -9173,7 +9317,7 @@
       </p:grpSpPr>
       <p:sp>
         <p:nvSpPr>
-          <p:cNvPr id="124" name="Shape 124"/>
+          <p:cNvPr id="127" name="Shape 127"/>
           <p:cNvSpPr txBox="1"/>
           <p:nvPr>
             <p:ph type="title"/>
@@ -9213,7 +9357,7 @@
       </p:sp>
       <p:sp>
         <p:nvSpPr>
-          <p:cNvPr id="125" name="Shape 125"/>
+          <p:cNvPr id="128" name="Shape 128"/>
           <p:cNvSpPr txBox="1"/>
           <p:nvPr>
             <p:ph idx="1" type="body"/>
@@ -9245,78 +9389,15 @@
               <a:buChar char="-"/>
             </a:pPr>
             <a:r>
-              <a:rPr b="1" i="1" lang="es"/>
-              <a:t>Code navigability:</a:t>
-            </a:r>
-            <a:r>
               <a:rPr i="1" lang="es"/>
-              <a:t> </a:t>
-            </a:r>
-            <a:r>
-              <a:rPr lang="es" sz="1200"/>
-              <a:t>complex framework navigation due to the new layers that it introduces</a:t>
-            </a:r>
-            <a:endParaRPr sz="1200"/>
-          </a:p>
-          <a:p>
-            <a:pPr indent="0" lvl="0" marL="0" rtl="0">
-              <a:spcBef>
-                <a:spcPts val="300"/>
-              </a:spcBef>
-              <a:spcAft>
-                <a:spcPts val="0"/>
-              </a:spcAft>
-              <a:buNone/>
-            </a:pPr>
-            <a:r>
-              <a:t/>
-            </a:r>
-            <a:endParaRPr sz="1200"/>
-          </a:p>
-          <a:p>
-            <a:pPr indent="-311150" lvl="0" marL="457200" rtl="0">
-              <a:spcBef>
-                <a:spcPts val="300"/>
-              </a:spcBef>
-              <a:spcAft>
-                <a:spcPts val="0"/>
-              </a:spcAft>
-              <a:buSzPts val="1300"/>
-              <a:buChar char="-"/>
-            </a:pPr>
-            <a:r>
-              <a:rPr b="1" i="1" lang="es"/>
-              <a:t>Multi-artifact consistency:</a:t>
-            </a:r>
-            <a:r>
-              <a:rPr i="1" lang="es"/>
-              <a:t>  </a:t>
-            </a:r>
-            <a:r>
-              <a:rPr lang="es" sz="1200"/>
-              <a:t>decomposing the code can cause consistency issues</a:t>
-            </a:r>
-            <a:endParaRPr sz="1200"/>
-          </a:p>
-          <a:p>
-            <a:pPr indent="0" lvl="0" marL="0" rtl="0">
-              <a:spcBef>
-                <a:spcPts val="300"/>
-              </a:spcBef>
-              <a:spcAft>
-                <a:spcPts val="0"/>
-              </a:spcAft>
-              <a:buNone/>
-            </a:pPr>
-            <a:r>
-              <a:t/>
+              <a:t>In order to make transactions, its not possible to compare their grade of development with the standards of distributed computation (like CORBA, Common Object Request Broker Architecture).</a:t>
             </a:r>
             <a:endParaRPr i="1"/>
           </a:p>
           <a:p>
             <a:pPr indent="-311150" lvl="0" marL="457200" rtl="0">
               <a:spcBef>
-                <a:spcPts val="300"/>
+                <a:spcPts val="0"/>
               </a:spcBef>
               <a:spcAft>
                 <a:spcPts val="0"/>
@@ -9325,18 +9406,43 @@
               <a:buChar char="-"/>
             </a:pPr>
             <a:r>
-              <a:rPr b="1" i="1" lang="es"/>
-              <a:t>Pronounced learning curve:</a:t>
+              <a:rPr i="1" lang="es"/>
+              <a:t>Its performance is low if its compared with other distributed computational models, like Java Remote Method Invocation (RMI), CORBA or Distributed Component Object Model. It’s one of the inconvenients</a:t>
             </a:r>
+            <a:endParaRPr i="1"/>
+          </a:p>
+          <a:p>
+            <a:pPr indent="457200" lvl="0" marL="0" rtl="0">
+              <a:spcBef>
+                <a:spcPts val="300"/>
+              </a:spcBef>
+              <a:spcAft>
+                <a:spcPts val="0"/>
+              </a:spcAft>
+              <a:buNone/>
+            </a:pPr>
             <a:r>
               <a:rPr i="1" lang="es"/>
-              <a:t> </a:t>
+              <a:t>that come from a text based format (In XML objects there is no conciseness or processing efficiency).</a:t>
             </a:r>
+            <a:endParaRPr i="1"/>
+          </a:p>
+          <a:p>
+            <a:pPr indent="-311150" lvl="0" marL="457200" rtl="0">
+              <a:spcBef>
+                <a:spcPts val="300"/>
+              </a:spcBef>
+              <a:spcAft>
+                <a:spcPts val="0"/>
+              </a:spcAft>
+              <a:buSzPts val="1300"/>
+              <a:buChar char="-"/>
+            </a:pPr>
             <a:r>
-              <a:rPr lang="es" sz="1200"/>
-              <a:t>necessity of knowledge on multiple technologies</a:t>
+              <a:rPr i="1" lang="es"/>
+              <a:t>Since its supported on HTTP, security means based on firewall, which try to block the communication between programs from both sides of it, may be evaded.  </a:t>
             </a:r>
-            <a:endParaRPr/>
+            <a:endParaRPr i="1"/>
           </a:p>
         </p:txBody>
       </p:sp>
@@ -9353,7 +9459,7 @@
   <p:cSld>
     <p:spTree>
       <p:nvGrpSpPr>
-        <p:cNvPr id="129" name="Shape 129"/>
+        <p:cNvPr id="132" name="Shape 132"/>
         <p:cNvGrpSpPr/>
         <p:nvPr/>
       </p:nvGrpSpPr>
@@ -9367,7 +9473,7 @@
       </p:grpSpPr>
       <p:sp>
         <p:nvSpPr>
-          <p:cNvPr id="130" name="Shape 130"/>
+          <p:cNvPr id="133" name="Shape 133"/>
           <p:cNvSpPr txBox="1"/>
           <p:nvPr>
             <p:ph type="title"/>
@@ -9407,7 +9513,7 @@
       </p:sp>
       <p:sp>
         <p:nvSpPr>
-          <p:cNvPr id="131" name="Shape 131"/>
+          <p:cNvPr id="134" name="Shape 134"/>
           <p:cNvSpPr txBox="1"/>
           <p:nvPr>
             <p:ph idx="1" type="body"/>
@@ -9428,58 +9534,316 @@
           </a:bodyPr>
           <a:lstStyle/>
           <a:p>
-            <a:pPr indent="457200" lvl="0" marL="0" rtl="0">
-              <a:spcBef>
-                <a:spcPts val="0"/>
-              </a:spcBef>
-              <a:spcAft>
-                <a:spcPts val="0"/>
+            <a:pPr indent="0" lvl="0" marL="0" rtl="0">
+              <a:spcBef>
+                <a:spcPts val="0"/>
+              </a:spcBef>
+              <a:spcAft>
+                <a:spcPts val="1600"/>
+              </a:spcAft>
+              <a:buNone/>
+            </a:pPr>
+            <a:r>
+              <a:rPr i="1" lang="es" sz="1400"/>
+              <a:t>The most important reason of why have we chosen the web service architecture is because the are very useful due to the independency between the application (which use web-services) and the service itself. By this way, the changes in one of them shouldn’t affect the other; this flexibility will be more important in the future, because the popularity of building big applications from smaller distributed components is increasing.</a:t>
+            </a:r>
+            <a:endParaRPr/>
+          </a:p>
+        </p:txBody>
+      </p:sp>
+    </p:spTree>
+  </p:cSld>
+  <p:clrMapOvr>
+    <a:masterClrMapping/>
+  </p:clrMapOvr>
+</p:sld>
+</file>
+
+<file path=ppt/slides/slide9.xml><?xml version="1.0" encoding="utf-8"?>
+<p:sld xmlns:a="http://schemas.openxmlformats.org/drawingml/2006/main" xmlns:r="http://schemas.openxmlformats.org/officeDocument/2006/relationships" xmlns:mc="http://schemas.openxmlformats.org/markup-compatibility/2006" xmlns:mv="urn:schemas-microsoft-com:mac:vml" xmlns:p="http://schemas.openxmlformats.org/presentationml/2006/main" xmlns:c="http://schemas.openxmlformats.org/drawingml/2006/chart" xmlns:dgm="http://schemas.openxmlformats.org/drawingml/2006/diagram" xmlns:o="urn:schemas-microsoft-com:office:office" xmlns:v="urn:schemas-microsoft-com:vml" xmlns:pvml="urn:schemas-microsoft-com:office:powerpoint" xmlns:com="http://schemas.openxmlformats.org/drawingml/2006/compatibility" xmlns:p14="http://schemas.microsoft.com/office/powerpoint/2010/main" xmlns:p15="http://schemas.microsoft.com/office/powerpoint/2012/main">
+  <p:cSld>
+    <p:spTree>
+      <p:nvGrpSpPr>
+        <p:cNvPr id="138" name="Shape 138"/>
+        <p:cNvGrpSpPr/>
+        <p:nvPr/>
+      </p:nvGrpSpPr>
+      <p:grpSpPr>
+        <a:xfrm>
+          <a:off x="0" y="0"/>
+          <a:ext cx="0" cy="0"/>
+          <a:chOff x="0" y="0"/>
+          <a:chExt cx="0" cy="0"/>
+        </a:xfrm>
+      </p:grpSpPr>
+      <p:sp>
+        <p:nvSpPr>
+          <p:cNvPr id="139" name="Shape 139"/>
+          <p:cNvSpPr txBox="1"/>
+          <p:nvPr>
+            <p:ph type="title"/>
+          </p:nvPr>
+        </p:nvSpPr>
+        <p:spPr>
+          <a:xfrm>
+            <a:off x="729450" y="1318650"/>
+            <a:ext cx="7688700" cy="535200"/>
+          </a:xfrm>
+          <a:prstGeom prst="rect">
+            <a:avLst/>
+          </a:prstGeom>
+        </p:spPr>
+        <p:txBody>
+          <a:bodyPr anchorCtr="0" anchor="t" bIns="91425" lIns="91425" spcFirstLastPara="1" rIns="91425" wrap="square" tIns="91425">
+            <a:noAutofit/>
+          </a:bodyPr>
+          <a:lstStyle/>
+          <a:p>
+            <a:pPr indent="0" lvl="0" marL="0">
+              <a:spcBef>
+                <a:spcPts val="0"/>
+              </a:spcBef>
+              <a:spcAft>
+                <a:spcPts val="0"/>
+              </a:spcAft>
+              <a:buNone/>
+            </a:pPr>
+            <a:r>
+              <a:rPr lang="es"/>
+              <a:t>Esquema general</a:t>
+            </a:r>
+            <a:endParaRPr/>
+          </a:p>
+        </p:txBody>
+      </p:sp>
+      <p:sp>
+        <p:nvSpPr>
+          <p:cNvPr id="140" name="Shape 140"/>
+          <p:cNvSpPr txBox="1"/>
+          <p:nvPr>
+            <p:ph idx="1" type="body"/>
+          </p:nvPr>
+        </p:nvSpPr>
+        <p:spPr>
+          <a:xfrm>
+            <a:off x="729450" y="2078875"/>
+            <a:ext cx="7688700" cy="2261100"/>
+          </a:xfrm>
+          <a:prstGeom prst="rect">
+            <a:avLst/>
+          </a:prstGeom>
+        </p:spPr>
+        <p:txBody>
+          <a:bodyPr anchorCtr="0" anchor="t" bIns="91425" lIns="91425" spcFirstLastPara="1" rIns="91425" wrap="square" tIns="91425">
+            <a:noAutofit/>
+          </a:bodyPr>
+          <a:lstStyle/>
+          <a:p>
+            <a:pPr indent="0" lvl="0" marL="0">
+              <a:spcBef>
+                <a:spcPts val="0"/>
+              </a:spcBef>
+              <a:spcAft>
+                <a:spcPts val="0"/>
+              </a:spcAft>
+              <a:buNone/>
+            </a:pPr>
+            <a:r>
+              <a:rPr lang="es" sz="800">
+                <a:solidFill>
+                  <a:srgbClr val="000000"/>
+                </a:solidFill>
+                <a:latin typeface="Arial"/>
+                <a:ea typeface="Arial"/>
+                <a:cs typeface="Arial"/>
+                <a:sym typeface="Arial"/>
+              </a:rPr>
+              <a:t>Concept and philosophy (including a graphical representation) V 50%</a:t>
+            </a:r>
+            <a:endParaRPr sz="800">
+              <a:solidFill>
+                <a:srgbClr val="000000"/>
+              </a:solidFill>
+              <a:latin typeface="Arial"/>
+              <a:ea typeface="Arial"/>
+              <a:cs typeface="Arial"/>
+              <a:sym typeface="Arial"/>
+            </a:endParaRPr>
+          </a:p>
+          <a:p>
+            <a:pPr indent="0" lvl="0" marL="0">
+              <a:spcBef>
+                <a:spcPts val="1600"/>
+              </a:spcBef>
+              <a:spcAft>
+                <a:spcPts val="0"/>
+              </a:spcAft>
+              <a:buNone/>
+            </a:pPr>
+            <a:r>
+              <a:rPr lang="es" sz="800">
+                <a:solidFill>
+                  <a:srgbClr val="000000"/>
+                </a:solidFill>
+                <a:latin typeface="Arial"/>
+                <a:ea typeface="Arial"/>
+                <a:cs typeface="Arial"/>
+                <a:sym typeface="Arial"/>
+              </a:rPr>
+              <a:t>Description of components and connector sX</a:t>
+            </a:r>
+            <a:endParaRPr sz="800">
+              <a:solidFill>
+                <a:srgbClr val="000000"/>
+              </a:solidFill>
+              <a:latin typeface="Arial"/>
+              <a:ea typeface="Arial"/>
+              <a:cs typeface="Arial"/>
+              <a:sym typeface="Arial"/>
+            </a:endParaRPr>
+          </a:p>
+          <a:p>
+            <a:pPr indent="0" lvl="0" marL="0">
+              <a:spcBef>
+                <a:spcPts val="1600"/>
+              </a:spcBef>
+              <a:spcAft>
+                <a:spcPts val="0"/>
+              </a:spcAft>
+              <a:buNone/>
+            </a:pPr>
+            <a:r>
+              <a:rPr lang="es" sz="800">
+                <a:solidFill>
+                  <a:srgbClr val="000000"/>
+                </a:solidFill>
+                <a:latin typeface="Arial"/>
+                <a:ea typeface="Arial"/>
+                <a:cs typeface="Arial"/>
+                <a:sym typeface="Arial"/>
+              </a:rPr>
+              <a:t>Examples of application  X</a:t>
+            </a:r>
+            <a:endParaRPr sz="800">
+              <a:solidFill>
+                <a:srgbClr val="000000"/>
+              </a:solidFill>
+              <a:latin typeface="Arial"/>
+              <a:ea typeface="Arial"/>
+              <a:cs typeface="Arial"/>
+              <a:sym typeface="Arial"/>
+            </a:endParaRPr>
+          </a:p>
+          <a:p>
+            <a:pPr indent="0" lvl="0" marL="0">
+              <a:spcBef>
+                <a:spcPts val="1600"/>
+              </a:spcBef>
+              <a:spcAft>
+                <a:spcPts val="0"/>
+              </a:spcAft>
+              <a:buNone/>
+            </a:pPr>
+            <a:r>
+              <a:rPr lang="es" sz="800">
+                <a:solidFill>
+                  <a:srgbClr val="000000"/>
+                </a:solidFill>
+                <a:latin typeface="Arial"/>
+                <a:ea typeface="Arial"/>
+                <a:cs typeface="Arial"/>
+                <a:sym typeface="Arial"/>
+              </a:rPr>
+              <a:t>advantages V</a:t>
+            </a:r>
+            <a:endParaRPr sz="800">
+              <a:solidFill>
+                <a:srgbClr val="000000"/>
+              </a:solidFill>
+              <a:latin typeface="Arial"/>
+              <a:ea typeface="Arial"/>
+              <a:cs typeface="Arial"/>
+              <a:sym typeface="Arial"/>
+            </a:endParaRPr>
+          </a:p>
+          <a:p>
+            <a:pPr indent="0" lvl="0" marL="0">
+              <a:spcBef>
+                <a:spcPts val="1600"/>
+              </a:spcBef>
+              <a:spcAft>
+                <a:spcPts val="0"/>
+              </a:spcAft>
+              <a:buNone/>
+            </a:pPr>
+            <a:r>
+              <a:rPr lang="es" sz="800">
+                <a:solidFill>
+                  <a:srgbClr val="000000"/>
+                </a:solidFill>
+                <a:latin typeface="Arial"/>
+                <a:ea typeface="Arial"/>
+                <a:cs typeface="Arial"/>
+                <a:sym typeface="Arial"/>
+              </a:rPr>
+              <a:t>disadvantages  V</a:t>
+            </a:r>
+            <a:endParaRPr sz="800">
+              <a:solidFill>
+                <a:srgbClr val="000000"/>
+              </a:solidFill>
+              <a:latin typeface="Arial"/>
+              <a:ea typeface="Arial"/>
+              <a:cs typeface="Arial"/>
+              <a:sym typeface="Arial"/>
+            </a:endParaRPr>
+          </a:p>
+          <a:p>
+            <a:pPr indent="0" lvl="0" marL="0">
+              <a:spcBef>
+                <a:spcPts val="1600"/>
+              </a:spcBef>
+              <a:spcAft>
+                <a:spcPts val="0"/>
+              </a:spcAft>
+              <a:buNone/>
+            </a:pPr>
+            <a:r>
+              <a:rPr lang="es" sz="800">
+                <a:solidFill>
+                  <a:srgbClr val="000000"/>
+                </a:solidFill>
+                <a:latin typeface="Arial"/>
+                <a:ea typeface="Arial"/>
+                <a:cs typeface="Arial"/>
+                <a:sym typeface="Arial"/>
+              </a:rPr>
+              <a:t>why have you chosen this style X</a:t>
+            </a:r>
+            <a:endParaRPr sz="2750">
+              <a:solidFill>
+                <a:srgbClr val="000000"/>
+              </a:solidFill>
+              <a:latin typeface="Arial"/>
+              <a:ea typeface="Arial"/>
+              <a:cs typeface="Arial"/>
+              <a:sym typeface="Arial"/>
+            </a:endParaRPr>
+          </a:p>
+          <a:p>
+            <a:pPr indent="0" lvl="0" marL="0">
+              <a:spcBef>
+                <a:spcPts val="1600"/>
+              </a:spcBef>
+              <a:spcAft>
+                <a:spcPts val="1600"/>
               </a:spcAft>
               <a:buNone/>
             </a:pPr>
             <a:r>
               <a:t/>
             </a:r>
-            <a:endParaRPr i="1" sz="1400"/>
-          </a:p>
-          <a:p>
-            <a:pPr indent="0" lvl="0" marL="0">
-              <a:spcBef>
-                <a:spcPts val="1600"/>
-              </a:spcBef>
-              <a:spcAft>
-                <a:spcPts val="0"/>
-              </a:spcAft>
-              <a:buNone/>
-            </a:pPr>
-            <a:r>
-              <a:rPr i="1" lang="es" sz="1400"/>
-              <a:t>We have chosen this model because the “abstraction” this architecture proposes fits our idea of the project structure; m</a:t>
-            </a:r>
-            <a:r>
-              <a:rPr i="1" lang="es" sz="1400"/>
-              <a:t>aking it easier for us to adapt the project to the model, </a:t>
-            </a:r>
-            <a:r>
-              <a:rPr i="1" lang="es" sz="1400"/>
-              <a:t>as it is something hard to change as the development advances. </a:t>
-            </a:r>
-            <a:endParaRPr i="1" sz="1400"/>
-          </a:p>
-          <a:p>
-            <a:pPr indent="0" lvl="0" marL="0">
-              <a:spcBef>
-                <a:spcPts val="1600"/>
-              </a:spcBef>
-              <a:spcAft>
-                <a:spcPts val="1600"/>
-              </a:spcAft>
-              <a:buNone/>
-            </a:pPr>
-            <a:r>
-              <a:t/>
-            </a:r>
-            <a:endParaRPr i="1" sz="1400"/>
+            <a:endParaRPr/>
           </a:p>
         </p:txBody>
       </p:sp>
